--- a/document/Gitマニュアル・調査資料/[01]Subversionユーザーの為のGit活用の勧め.pptx
+++ b/document/Gitマニュアル・調査資料/[01]Subversionユーザーの為のGit活用の勧め.pptx
@@ -209,7 +209,7 @@
           <a:p>
             <a:fld id="{832228A0-728D-413E-A7FC-9737804B52A5}" type="datetimeFigureOut">
               <a:rPr kumimoji="1" lang="ja-JP" altLang="en-US" smtClean="0"/>
-              <a:t>2013/6/20</a:t>
+              <a:t>2013/6/21</a:t>
             </a:fld>
             <a:endParaRPr kumimoji="1" lang="ja-JP" altLang="en-US"/>
           </a:p>
@@ -1186,7 +1186,11 @@
           <a:p>
             <a:r>
               <a:rPr kumimoji="1" lang="ja-JP" altLang="en-US" dirty="0" smtClean="0"/>
-              <a:t>ロック必須のファイルを扱う場合は、やはり</a:t>
+              <a:t>バイナリファイルなど、ロック</a:t>
+            </a:r>
+            <a:r>
+              <a:rPr kumimoji="1" lang="ja-JP" altLang="en-US" dirty="0" smtClean="0"/>
+              <a:t>必須のファイルを扱う場合は、やはり</a:t>
             </a:r>
             <a:r>
               <a:rPr kumimoji="1" lang="en-US" altLang="ja-JP" dirty="0" smtClean="0"/>
@@ -1194,7 +1198,171 @@
             </a:r>
             <a:r>
               <a:rPr kumimoji="1" lang="ja-JP" altLang="en-US" dirty="0" smtClean="0"/>
-              <a:t>の方が扱い易い。</a:t>
+              <a:t>の方が扱い易い</a:t>
+            </a:r>
+            <a:r>
+              <a:rPr kumimoji="1" lang="ja-JP" altLang="en-US" dirty="0" smtClean="0"/>
+              <a:t>。</a:t>
+            </a:r>
+            <a:endParaRPr kumimoji="1" lang="en-US" altLang="ja-JP" dirty="0" smtClean="0"/>
+          </a:p>
+          <a:p>
+            <a:r>
+              <a:rPr kumimoji="1" lang="ja-JP" altLang="en-US" dirty="0" smtClean="0"/>
+              <a:t>こういったファイルをどうしても</a:t>
+            </a:r>
+            <a:r>
+              <a:rPr kumimoji="1" lang="en-US" altLang="ja-JP" dirty="0" err="1" smtClean="0"/>
+              <a:t>Git</a:t>
+            </a:r>
+            <a:r>
+              <a:rPr kumimoji="1" lang="ja-JP" altLang="en-US" dirty="0" smtClean="0"/>
+              <a:t>上で扱う場合は何かしらの工夫が必要。</a:t>
+            </a:r>
+            <a:endParaRPr kumimoji="1" lang="en-US" altLang="ja-JP" dirty="0" smtClean="0"/>
+          </a:p>
+          <a:p>
+            <a:r>
+              <a:rPr kumimoji="1" lang="ja-JP" altLang="en-US" dirty="0" smtClean="0"/>
+              <a:t>考えられる工夫としては、下記のようなもの。</a:t>
+            </a:r>
+            <a:endParaRPr kumimoji="1" lang="en-US" altLang="ja-JP" dirty="0" smtClean="0"/>
+          </a:p>
+          <a:p>
+            <a:r>
+              <a:rPr kumimoji="1" lang="ja-JP" altLang="en-US" dirty="0" smtClean="0"/>
+              <a:t>①遠隔地の拠点間で共通して更新しなければならないようなファイルは持たない。</a:t>
+            </a:r>
+            <a:endParaRPr kumimoji="1" lang="en-US" altLang="ja-JP" dirty="0" smtClean="0"/>
+          </a:p>
+          <a:p>
+            <a:r>
+              <a:rPr kumimoji="1" lang="ja-JP" altLang="en-US" dirty="0" smtClean="0"/>
+              <a:t>②各拠点毎に、更新可能なファイルを定める。（フォルダで決めるなど、なるべく単純なルールに）</a:t>
+            </a:r>
+            <a:endParaRPr kumimoji="1" lang="en-US" altLang="ja-JP" dirty="0" smtClean="0"/>
+          </a:p>
+          <a:p>
+            <a:r>
+              <a:rPr kumimoji="1" lang="ja-JP" altLang="en-US" dirty="0" smtClean="0"/>
+              <a:t>③</a:t>
+            </a:r>
+            <a:r>
+              <a:rPr kumimoji="1" lang="en-US" altLang="ja-JP" dirty="0" smtClean="0"/>
+              <a:t>【</a:t>
+            </a:r>
+            <a:r>
+              <a:rPr kumimoji="1" lang="ja-JP" altLang="en-US" dirty="0" smtClean="0"/>
+              <a:t>愚策</a:t>
+            </a:r>
+            <a:r>
+              <a:rPr kumimoji="1" lang="en-US" altLang="ja-JP" dirty="0" smtClean="0"/>
+              <a:t>】</a:t>
+            </a:r>
+            <a:r>
+              <a:rPr kumimoji="1" lang="ja-JP" altLang="en-US" dirty="0" smtClean="0"/>
+              <a:t>ロックの代わりに、現在編集中のファイルを、ファイルサーバー上の共有</a:t>
+            </a:r>
+            <a:r>
+              <a:rPr kumimoji="1" lang="en-US" altLang="ja-JP" dirty="0" smtClean="0"/>
+              <a:t>Excel</a:t>
+            </a:r>
+            <a:r>
+              <a:rPr kumimoji="1" lang="ja-JP" altLang="en-US" dirty="0" smtClean="0"/>
+              <a:t>に記入して宣言し、スタッフ間で編集中のファイルかどうかを確認し合うようにする。</a:t>
+            </a:r>
+            <a:endParaRPr kumimoji="1" lang="en-US" altLang="ja-JP" dirty="0" smtClean="0"/>
+          </a:p>
+          <a:p>
+            <a:endParaRPr kumimoji="1" lang="en-US" altLang="ja-JP" dirty="0" smtClean="0"/>
+          </a:p>
+          <a:p>
+            <a:r>
+              <a:rPr kumimoji="1" lang="ja-JP" altLang="en-US" dirty="0" smtClean="0"/>
+              <a:t>やはり</a:t>
+            </a:r>
+            <a:r>
+              <a:rPr kumimoji="1" lang="en-US" altLang="ja-JP" dirty="0" smtClean="0"/>
+              <a:t>Subversion</a:t>
+            </a:r>
+            <a:r>
+              <a:rPr kumimoji="1" lang="ja-JP" altLang="en-US" dirty="0" smtClean="0"/>
+              <a:t>に比べて</a:t>
+            </a:r>
+            <a:r>
+              <a:rPr kumimoji="1" lang="en-US" altLang="ja-JP" dirty="0" err="1" smtClean="0"/>
+              <a:t>Git</a:t>
+            </a:r>
+            <a:r>
+              <a:rPr kumimoji="1" lang="ja-JP" altLang="en-US" dirty="0" smtClean="0"/>
+              <a:t>は操作が複雑で、その分オペレーション上のトラブルが発生する懸念も高い。</a:t>
+            </a:r>
+            <a:endParaRPr kumimoji="1" lang="en-US" altLang="ja-JP" dirty="0" smtClean="0"/>
+          </a:p>
+          <a:p>
+            <a:r>
+              <a:rPr kumimoji="1" lang="ja-JP" altLang="en-US" dirty="0" smtClean="0"/>
+              <a:t>その為、問題なく十分うまくいっている現場では、</a:t>
+            </a:r>
+            <a:r>
+              <a:rPr kumimoji="1" lang="en-US" altLang="ja-JP" dirty="0" err="1" smtClean="0"/>
+              <a:t>Git</a:t>
+            </a:r>
+            <a:r>
+              <a:rPr kumimoji="1" lang="ja-JP" altLang="en-US" dirty="0" smtClean="0"/>
+              <a:t>習得などの目的が無い限り、むやむにやり方を変える事はない。</a:t>
+            </a:r>
+            <a:endParaRPr kumimoji="1" lang="en-US" altLang="ja-JP" dirty="0" smtClean="0"/>
+          </a:p>
+          <a:p>
+            <a:endParaRPr kumimoji="1" lang="en-US" altLang="ja-JP" dirty="0" smtClean="0"/>
+          </a:p>
+          <a:p>
+            <a:r>
+              <a:rPr kumimoji="1" lang="ja-JP" altLang="en-US" dirty="0" smtClean="0"/>
+              <a:t>また、スタッフ全体に十分な</a:t>
+            </a:r>
+            <a:r>
+              <a:rPr kumimoji="1" lang="en-US" altLang="ja-JP" dirty="0" err="1" smtClean="0"/>
+              <a:t>Git</a:t>
+            </a:r>
+            <a:r>
+              <a:rPr kumimoji="1" lang="ja-JP" altLang="en-US" dirty="0" err="1" smtClean="0"/>
+              <a:t>の習</a:t>
+            </a:r>
+            <a:r>
+              <a:rPr kumimoji="1" lang="ja-JP" altLang="en-US" smtClean="0"/>
+              <a:t>得スキルを求めるのは容易ではないので、導入の際は簡潔なマニュアルを用意し、問題発生時のサポートができる体制を取るべき。</a:t>
+            </a:r>
+            <a:endParaRPr kumimoji="1" lang="en-US" altLang="ja-JP" dirty="0" smtClean="0"/>
+          </a:p>
+          <a:p>
+            <a:endParaRPr kumimoji="1" lang="en-US" altLang="ja-JP" dirty="0" smtClean="0"/>
+          </a:p>
+          <a:p>
+            <a:r>
+              <a:rPr kumimoji="1" lang="ja-JP" altLang="en-US" dirty="0" smtClean="0"/>
+              <a:t>スタッフのサポートについては、本来</a:t>
+            </a:r>
+            <a:r>
+              <a:rPr kumimoji="1" lang="en-US" altLang="ja-JP" dirty="0" err="1" smtClean="0"/>
+              <a:t>Git</a:t>
+            </a:r>
+            <a:r>
+              <a:rPr kumimoji="1" lang="ja-JP" altLang="en-US" dirty="0" smtClean="0"/>
+              <a:t>に限った話ではないが、本格運用に先立って、十分に</a:t>
+            </a:r>
+            <a:r>
+              <a:rPr kumimoji="1" lang="en-US" altLang="ja-JP" dirty="0" err="1" smtClean="0"/>
+              <a:t>Git</a:t>
+            </a:r>
+            <a:r>
+              <a:rPr kumimoji="1" lang="ja-JP" altLang="en-US" dirty="0" err="1" smtClean="0"/>
+              <a:t>を習</a:t>
+            </a:r>
+            <a:r>
+              <a:rPr kumimoji="1" lang="ja-JP" altLang="en-US" dirty="0" smtClean="0"/>
+              <a:t>得したスタッフが、全体の規模に合わせて数名確保できた状態にすべき。</a:t>
             </a:r>
             <a:endParaRPr kumimoji="1" lang="ja-JP" altLang="en-US" dirty="0"/>
           </a:p>
@@ -1959,11 +2127,7 @@
           <a:p>
             <a:r>
               <a:rPr kumimoji="1" lang="ja-JP" altLang="en-US" dirty="0" smtClean="0"/>
-              <a:t>「</a:t>
-            </a:r>
-            <a:r>
-              <a:rPr kumimoji="1" lang="ja-JP" altLang="en-US" dirty="0" smtClean="0"/>
-              <a:t>作業ツリー」とは、実際の開発作業として直接編集するフォルダやファイルの事。</a:t>
+              <a:t>「作業ツリー」とは、実際の開発作業として直接編集するフォルダやファイルの事。</a:t>
             </a:r>
             <a:endParaRPr kumimoji="1" lang="en-US" altLang="ja-JP" dirty="0" smtClean="0"/>
           </a:p>
@@ -2243,11 +2407,7 @@
           <a:p>
             <a:r>
               <a:rPr kumimoji="1" lang="ja-JP" altLang="en-US" dirty="0" smtClean="0"/>
-              <a:t>ファイル追加時に使用される「</a:t>
-            </a:r>
-            <a:r>
-              <a:rPr kumimoji="1" lang="ja-JP" altLang="en-US" dirty="0" smtClean="0"/>
-              <a:t>インデックス」とは、コミット時にリポジトリに記録される、作業ツリーの更新内容を一時記憶する領域の事。</a:t>
+              <a:t>ファイル追加時に使用される「インデックス」とは、コミット時にリポジトリに記録される、作業ツリーの更新内容を一時記憶する領域の事。</a:t>
             </a:r>
             <a:endParaRPr kumimoji="1" lang="en-US" altLang="ja-JP" dirty="0" smtClean="0"/>
           </a:p>
@@ -2261,7 +2421,286 @@
           <a:p>
             <a:r>
               <a:rPr kumimoji="1" lang="ja-JP" altLang="en-US" dirty="0" smtClean="0"/>
-              <a:t>（他者がこのローカルリポジトリをクローンしても、コミット前のインデックスのファイルは得られない。</a:t>
+              <a:t>（他者がこのローカルリポジトリをクローンしても、コミット前のインデックスのファイルは得られない。）</a:t>
+            </a:r>
+            <a:endParaRPr kumimoji="1" lang="en-US" altLang="ja-JP" dirty="0" smtClean="0"/>
+          </a:p>
+          <a:p>
+            <a:endParaRPr kumimoji="1" lang="en-US" altLang="ja-JP" dirty="0" smtClean="0"/>
+          </a:p>
+          <a:p>
+            <a:r>
+              <a:rPr kumimoji="1" lang="ja-JP" altLang="en-US" dirty="0" smtClean="0"/>
+              <a:t>なお、インデックスへのファイルの追加は、新規ファイルに限らず、更新したファイル全般に対して行う必要がある。</a:t>
+            </a:r>
+            <a:endParaRPr kumimoji="1" lang="en-US" altLang="ja-JP" dirty="0" smtClean="0"/>
+          </a:p>
+          <a:p>
+            <a:r>
+              <a:rPr kumimoji="1" lang="ja-JP" altLang="en-US" dirty="0" smtClean="0"/>
+              <a:t>ただし、</a:t>
+            </a:r>
+            <a:r>
+              <a:rPr kumimoji="1" lang="en-US" altLang="ja-JP" dirty="0" err="1" smtClean="0"/>
+              <a:t>TortoiseGit</a:t>
+            </a:r>
+            <a:r>
+              <a:rPr kumimoji="1" lang="ja-JP" altLang="en-US" dirty="0" smtClean="0"/>
+              <a:t>のコミットコマンドや、</a:t>
+            </a:r>
+            <a:r>
+              <a:rPr kumimoji="1" lang="en-US" altLang="ja-JP" dirty="0" err="1" smtClean="0"/>
+              <a:t>git</a:t>
+            </a:r>
+            <a:r>
+              <a:rPr kumimoji="1" lang="en-US" altLang="ja-JP" dirty="0" smtClean="0"/>
+              <a:t> commit </a:t>
+            </a:r>
+            <a:r>
+              <a:rPr kumimoji="1" lang="ja-JP" altLang="en-US" dirty="0" smtClean="0"/>
+              <a:t>コマンドのオプションでは、既存のファイルの更新の場合に限り、</a:t>
+            </a:r>
+            <a:endParaRPr kumimoji="1" lang="en-US" altLang="ja-JP" dirty="0" smtClean="0"/>
+          </a:p>
+          <a:p>
+            <a:r>
+              <a:rPr kumimoji="1" lang="ja-JP" altLang="en-US" dirty="0" smtClean="0"/>
+              <a:t>インデックスへの追加とコミットをまとめて行う事ができる。（</a:t>
+            </a:r>
+            <a:r>
+              <a:rPr kumimoji="1" lang="en-US" altLang="ja-JP" dirty="0" smtClean="0"/>
+              <a:t>Subversion</a:t>
+            </a:r>
+            <a:r>
+              <a:rPr kumimoji="1" lang="ja-JP" altLang="en-US" dirty="0" smtClean="0"/>
+              <a:t>と同様の動作になる。）</a:t>
+            </a:r>
+            <a:endParaRPr kumimoji="1" lang="en-US" altLang="ja-JP" dirty="0" smtClean="0"/>
+          </a:p>
+          <a:p>
+            <a:endParaRPr kumimoji="1" lang="en-US" altLang="ja-JP" dirty="0" smtClean="0"/>
+          </a:p>
+          <a:p>
+            <a:r>
+              <a:rPr kumimoji="1" lang="ja-JP" altLang="en-US" dirty="0" smtClean="0"/>
+              <a:t>このように、「インデックス」にコミット候補の記録を行うのは、</a:t>
+            </a:r>
+            <a:r>
+              <a:rPr kumimoji="1" lang="en-US" altLang="ja-JP" dirty="0" smtClean="0"/>
+              <a:t>Mercurial</a:t>
+            </a:r>
+            <a:r>
+              <a:rPr kumimoji="1" lang="ja-JP" altLang="en-US" dirty="0" smtClean="0"/>
+              <a:t>などの他の</a:t>
+            </a:r>
+            <a:r>
+              <a:rPr kumimoji="1" lang="en-US" altLang="ja-JP" dirty="0" smtClean="0"/>
+              <a:t>VCS</a:t>
+            </a:r>
+            <a:r>
+              <a:rPr kumimoji="1" lang="ja-JP" altLang="en-US" dirty="0" smtClean="0"/>
+              <a:t>にはない、</a:t>
+            </a:r>
+            <a:r>
+              <a:rPr kumimoji="1" lang="en-US" altLang="ja-JP" dirty="0" err="1" smtClean="0"/>
+              <a:t>Git</a:t>
+            </a:r>
+            <a:r>
+              <a:rPr kumimoji="1" lang="ja-JP" altLang="en-US" dirty="0" smtClean="0"/>
+              <a:t>の特徴の一つ。</a:t>
+            </a:r>
+            <a:endParaRPr kumimoji="1" lang="en-US" altLang="ja-JP" dirty="0" smtClean="0"/>
+          </a:p>
+          <a:p>
+            <a:r>
+              <a:rPr kumimoji="1" lang="en-US" altLang="ja-JP" dirty="0" err="1" smtClean="0"/>
+              <a:t>Git</a:t>
+            </a:r>
+            <a:r>
+              <a:rPr kumimoji="1" lang="ja-JP" altLang="en-US" dirty="0" smtClean="0"/>
+              <a:t>のリポジトリの管理構造に依拠する仕組み。</a:t>
+            </a:r>
+            <a:endParaRPr kumimoji="1" lang="en-US" altLang="ja-JP" dirty="0" smtClean="0"/>
+          </a:p>
+          <a:p>
+            <a:endParaRPr kumimoji="1" lang="en-US" altLang="ja-JP" dirty="0" smtClean="0"/>
+          </a:p>
+          <a:p>
+            <a:r>
+              <a:rPr kumimoji="1" lang="en-US" altLang="ja-JP" dirty="0" err="1" smtClean="0"/>
+              <a:t>Git</a:t>
+            </a:r>
+            <a:r>
+              <a:rPr kumimoji="1" lang="ja-JP" altLang="en-US" dirty="0" smtClean="0"/>
+              <a:t>では、</a:t>
+            </a:r>
+            <a:r>
+              <a:rPr kumimoji="1" lang="en-US" altLang="ja-JP" dirty="0" smtClean="0"/>
+              <a:t>Subversion</a:t>
+            </a:r>
+            <a:r>
+              <a:rPr kumimoji="1" lang="ja-JP" altLang="en-US" dirty="0" smtClean="0"/>
+              <a:t>と比べてブランチを積極的に活用する開発スタイルとなる。</a:t>
+            </a:r>
+            <a:endParaRPr kumimoji="1" lang="en-US" altLang="ja-JP" dirty="0" smtClean="0"/>
+          </a:p>
+          <a:p>
+            <a:r>
+              <a:rPr kumimoji="1" lang="ja-JP" altLang="en-US" dirty="0" smtClean="0"/>
+              <a:t>この図では、基本的な流れとして、開発者が毎回作業ブランチを作成して、リーダーの判断でマージする事を示しているが、開発者が直接マスター（本流）にソースを登録する事も可能。</a:t>
+            </a:r>
+            <a:endParaRPr kumimoji="1" lang="en-US" altLang="ja-JP" dirty="0" smtClean="0"/>
+          </a:p>
+          <a:p>
+            <a:endParaRPr kumimoji="1" lang="en-US" altLang="ja-JP" dirty="0" smtClean="0"/>
+          </a:p>
+          <a:p>
+            <a:r>
+              <a:rPr kumimoji="1" lang="ja-JP" altLang="en-US" dirty="0" smtClean="0"/>
+              <a:t>「作業ブランチ」と表記しているのは、</a:t>
+            </a:r>
+            <a:r>
+              <a:rPr kumimoji="1" lang="en-US" altLang="ja-JP" dirty="0" smtClean="0"/>
+              <a:t>Subversion</a:t>
+            </a:r>
+            <a:r>
+              <a:rPr kumimoji="1" lang="ja-JP" altLang="en-US" dirty="0" smtClean="0"/>
+              <a:t>におけるブランチよりもかなり意味が軽い。</a:t>
+            </a:r>
+            <a:endParaRPr kumimoji="1" lang="en-US" altLang="ja-JP" dirty="0" smtClean="0"/>
+          </a:p>
+          <a:p>
+            <a:r>
+              <a:rPr kumimoji="1" lang="ja-JP" altLang="en-US" dirty="0" smtClean="0"/>
+              <a:t>一つの作業タスクや一つのバグ修正にあたって毎回ブランチを作成する、いわゆる「トピックブランチ」と呼ばれるブランチを指す。</a:t>
+            </a:r>
+            <a:endParaRPr kumimoji="1" lang="en-US" altLang="ja-JP" dirty="0" smtClean="0"/>
+          </a:p>
+          <a:p>
+            <a:endParaRPr kumimoji="1" lang="en-US" altLang="ja-JP" dirty="0" smtClean="0"/>
+          </a:p>
+          <a:p>
+            <a:r>
+              <a:rPr kumimoji="1" lang="ja-JP" altLang="en-US" dirty="0" smtClean="0"/>
+              <a:t>また、数名で一つの機能を作成している間などは、もう少し大掛かりなブランチとして、「機能ブランチ」と呼ばれるブランチを作成して、その一部のスタッフ間だけで共有して作業する。</a:t>
+            </a:r>
+            <a:endParaRPr kumimoji="1" lang="en-US" altLang="ja-JP" dirty="0" smtClean="0"/>
+          </a:p>
+          <a:p>
+            <a:endParaRPr kumimoji="1" lang="en-US" altLang="ja-JP" dirty="0" smtClean="0"/>
+          </a:p>
+          <a:p>
+            <a:r>
+              <a:rPr kumimoji="1" lang="ja-JP" altLang="en-US" dirty="0" smtClean="0"/>
+              <a:t>もちろん、</a:t>
+            </a:r>
+            <a:r>
+              <a:rPr kumimoji="1" lang="en-US" altLang="ja-JP" dirty="0" smtClean="0"/>
+              <a:t>Subversion</a:t>
+            </a:r>
+            <a:r>
+              <a:rPr kumimoji="1" lang="ja-JP" altLang="en-US" dirty="0" smtClean="0"/>
+              <a:t>と同じく、過去のリリースを保持しつつ、新しいリリースを開発する為の「開発ブランチ」としても用いられる。</a:t>
+            </a:r>
+            <a:endParaRPr kumimoji="1" lang="en-US" altLang="ja-JP" dirty="0" smtClean="0"/>
+          </a:p>
+          <a:p>
+            <a:r>
+              <a:rPr kumimoji="1" lang="ja-JP" altLang="en-US" dirty="0" smtClean="0"/>
+              <a:t>長期的なブランチとしては、「開発ブランチ」、「安定ブランチ」、「メンテナンスブランチ」のように細かく分けて扱う場合もある。</a:t>
+            </a:r>
+            <a:endParaRPr kumimoji="1" lang="en-US" altLang="ja-JP" dirty="0" smtClean="0"/>
+          </a:p>
+          <a:p>
+            <a:endParaRPr kumimoji="1" lang="en-US" altLang="ja-JP" dirty="0" smtClean="0"/>
+          </a:p>
+          <a:p>
+            <a:r>
+              <a:rPr kumimoji="1" lang="en-US" altLang="ja-JP" dirty="0" smtClean="0"/>
+              <a:t>Subversion</a:t>
+            </a:r>
+            <a:r>
+              <a:rPr kumimoji="1" lang="ja-JP" altLang="en-US" dirty="0" smtClean="0"/>
+              <a:t>と同じく、特定のリリース状態を「タグ」として記録する事も可能。</a:t>
+            </a:r>
+            <a:endParaRPr kumimoji="1" lang="en-US" altLang="ja-JP" dirty="0" smtClean="0"/>
+          </a:p>
+          <a:p>
+            <a:endParaRPr kumimoji="1" lang="en-US" altLang="ja-JP" dirty="0" smtClean="0"/>
+          </a:p>
+          <a:p>
+            <a:r>
+              <a:rPr kumimoji="1" lang="ja-JP" altLang="en-US" dirty="0" smtClean="0"/>
+              <a:t>いずれのブランチも、システムの機能としての違いはなく、あくまでも作業を進行する上での約束事として使い分ける。</a:t>
+            </a:r>
+            <a:endParaRPr kumimoji="1" lang="en-US" altLang="ja-JP" dirty="0" smtClean="0"/>
+          </a:p>
+          <a:p>
+            <a:endParaRPr kumimoji="1" lang="en-US" altLang="ja-JP" dirty="0" smtClean="0"/>
+          </a:p>
+          <a:p>
+            <a:r>
+              <a:rPr kumimoji="1" lang="ja-JP" altLang="en-US" dirty="0" smtClean="0"/>
+              <a:t>ブランチの名称には、ブランチの種類を示す接頭辞を付ける事や、作業タスクのチケット番号／</a:t>
+            </a:r>
+            <a:r>
+              <a:rPr kumimoji="1" lang="en-US" altLang="ja-JP" dirty="0" smtClean="0"/>
+              <a:t>BTS</a:t>
+            </a:r>
+            <a:r>
+              <a:rPr kumimoji="1" lang="ja-JP" altLang="en-US" dirty="0" smtClean="0"/>
+              <a:t>の番号を入れる事、個人の名前を入れる事など、命名規則を定めて開発する。</a:t>
+            </a:r>
+            <a:endParaRPr kumimoji="1" lang="en-US" altLang="ja-JP" dirty="0" smtClean="0"/>
+          </a:p>
+          <a:p>
+            <a:r>
+              <a:rPr kumimoji="1" lang="ja-JP" altLang="en-US" dirty="0" smtClean="0"/>
+              <a:t>（例：</a:t>
+            </a:r>
+            <a:r>
+              <a:rPr kumimoji="1" lang="en-US" altLang="ja-JP" dirty="0" smtClean="0"/>
+              <a:t>issue/</a:t>
+            </a:r>
+            <a:r>
+              <a:rPr kumimoji="1" lang="en-US" altLang="ja-JP" dirty="0" err="1" smtClean="0"/>
+              <a:t>m_itagaki</a:t>
+            </a:r>
+            <a:r>
+              <a:rPr kumimoji="1" lang="en-US" altLang="ja-JP" dirty="0" smtClean="0"/>
+              <a:t>/123,</a:t>
+            </a:r>
+            <a:r>
+              <a:rPr kumimoji="1" lang="en-US" altLang="ja-JP" baseline="0" dirty="0" smtClean="0"/>
+              <a:t> bug/</a:t>
+            </a:r>
+            <a:r>
+              <a:rPr kumimoji="1" lang="en-US" altLang="ja-JP" baseline="0" dirty="0" err="1" smtClean="0"/>
+              <a:t>m_itagaki</a:t>
+            </a:r>
+            <a:r>
+              <a:rPr kumimoji="1" lang="en-US" altLang="ja-JP" baseline="0" dirty="0" smtClean="0"/>
+              <a:t>/456, feature/23, </a:t>
+            </a:r>
+            <a:r>
+              <a:rPr kumimoji="1" lang="en-US" altLang="ja-JP" baseline="0" dirty="0" err="1" smtClean="0"/>
+              <a:t>devel</a:t>
+            </a:r>
+            <a:r>
+              <a:rPr kumimoji="1" lang="en-US" altLang="ja-JP" baseline="0" dirty="0" smtClean="0"/>
+              <a:t>/1.0, master, </a:t>
+            </a:r>
+            <a:r>
+              <a:rPr kumimoji="1" lang="en-US" altLang="ja-JP" baseline="0" dirty="0" err="1" smtClean="0"/>
+              <a:t>maint</a:t>
+            </a:r>
+            <a:r>
+              <a:rPr kumimoji="1" lang="en-US" altLang="ja-JP" baseline="0" dirty="0" smtClean="0"/>
+              <a:t>/1.1 </a:t>
+            </a:r>
+            <a:r>
+              <a:rPr kumimoji="1" lang="ja-JP" altLang="en-US" baseline="0" dirty="0" smtClean="0"/>
+              <a:t>など</a:t>
             </a:r>
             <a:r>
               <a:rPr kumimoji="1" lang="ja-JP" altLang="en-US" dirty="0" smtClean="0"/>
@@ -2275,41 +2714,42 @@
           <a:p>
             <a:r>
               <a:rPr kumimoji="1" lang="ja-JP" altLang="en-US" dirty="0" smtClean="0"/>
-              <a:t>なお、インデックスへのファイルの追加は、新規ファイルに限らず、更新したファイル全般に対して行う必要がある。</a:t>
+              <a:t>上記のような細かいブランチを活用する事で、例えば、何かしらの新しい開発を行っている時に、数日前にコミットしたソースの修正が求められた場合などにも混乱なく対応ができる。</a:t>
             </a:r>
             <a:endParaRPr kumimoji="1" lang="en-US" altLang="ja-JP" dirty="0" smtClean="0"/>
           </a:p>
           <a:p>
+            <a:endParaRPr kumimoji="1" lang="en-US" altLang="ja-JP" dirty="0" smtClean="0"/>
+          </a:p>
+          <a:p>
             <a:r>
               <a:rPr kumimoji="1" lang="ja-JP" altLang="en-US" dirty="0" smtClean="0"/>
-              <a:t>ただし、</a:t>
+              <a:t>その時作業中だったものをローカルにコミットした上で（他者に影響が出ないので中途半端な状態でコミットして良い）、修正対象のブランチに切り替えて作業を行い、終わったら中断していた作業に戻る事ができる。</a:t>
+            </a:r>
+            <a:endParaRPr kumimoji="1" lang="en-US" altLang="ja-JP" dirty="0" smtClean="0"/>
+          </a:p>
+          <a:p>
+            <a:r>
+              <a:rPr kumimoji="1" lang="ja-JP" altLang="en-US" dirty="0" smtClean="0"/>
+              <a:t>ブランチを切り替えると、</a:t>
             </a:r>
             <a:r>
               <a:rPr kumimoji="1" lang="en-US" altLang="ja-JP" dirty="0" err="1" smtClean="0"/>
-              <a:t>TortoiseGit</a:t>
+              <a:t>Git</a:t>
             </a:r>
             <a:r>
               <a:rPr kumimoji="1" lang="ja-JP" altLang="en-US" dirty="0" smtClean="0"/>
-              <a:t>のコミットコマンドや、</a:t>
-            </a:r>
-            <a:r>
-              <a:rPr kumimoji="1" lang="en-US" altLang="ja-JP" dirty="0" err="1" smtClean="0"/>
-              <a:t>git</a:t>
-            </a:r>
-            <a:r>
-              <a:rPr kumimoji="1" lang="en-US" altLang="ja-JP" dirty="0" smtClean="0"/>
-              <a:t> commit </a:t>
-            </a:r>
+              <a:t>はソースコードの状態を適切に切り替えてくれるのが利点。しかもそれはローカルで行われるので早い。</a:t>
+            </a:r>
+            <a:endParaRPr kumimoji="1" lang="en-US" altLang="ja-JP" dirty="0" smtClean="0"/>
+          </a:p>
+          <a:p>
+            <a:endParaRPr kumimoji="1" lang="en-US" altLang="ja-JP" dirty="0" smtClean="0"/>
+          </a:p>
+          <a:p>
             <a:r>
               <a:rPr kumimoji="1" lang="ja-JP" altLang="en-US" dirty="0" smtClean="0"/>
-              <a:t>コマンドのオプションでは、既存のファイルの更新の場合に限り、</a:t>
-            </a:r>
-            <a:endParaRPr kumimoji="1" lang="en-US" altLang="ja-JP" dirty="0" smtClean="0"/>
-          </a:p>
-          <a:p>
-            <a:r>
-              <a:rPr kumimoji="1" lang="ja-JP" altLang="en-US" dirty="0" smtClean="0"/>
-              <a:t>インデックスへの追加とコミットをまとめて行う事ができる。（</a:t>
+              <a:t>これにより、重要なビルド工程の際に、万が一に備えて大勢の開発者にビルドの結果を待って作業の手を止めてもらうといった、</a:t>
             </a:r>
             <a:r>
               <a:rPr kumimoji="1" lang="en-US" altLang="ja-JP" dirty="0" smtClean="0"/>
@@ -2317,7 +2757,7 @@
             </a:r>
             <a:r>
               <a:rPr kumimoji="1" lang="ja-JP" altLang="en-US" dirty="0" smtClean="0"/>
-              <a:t>と同様の動作になる。）</a:t>
+              <a:t>使用時に起こっていたワークフロー上の問題を改善できる。</a:t>
             </a:r>
             <a:endParaRPr kumimoji="1" lang="en-US" altLang="ja-JP" dirty="0" smtClean="0"/>
           </a:p>
@@ -2327,23 +2767,38 @@
           <a:p>
             <a:r>
               <a:rPr kumimoji="1" lang="ja-JP" altLang="en-US" dirty="0" smtClean="0"/>
-              <a:t>このように、「インデックス」にコミット候補の記録を行うのは、</a:t>
-            </a:r>
-            <a:r>
-              <a:rPr kumimoji="1" lang="en-US" altLang="ja-JP" dirty="0" smtClean="0"/>
-              <a:t>Mercurial</a:t>
+              <a:t>「プルリクエスト」や「マージリクエスト」は、直接的な声掛けで運用する事も可能だが（「一通り出来たのでマージして下さい」と依頼する）、</a:t>
+            </a:r>
+            <a:r>
+              <a:rPr kumimoji="1" lang="en-US" altLang="ja-JP" dirty="0" err="1" smtClean="0"/>
+              <a:t>GitHub</a:t>
             </a:r>
             <a:r>
               <a:rPr kumimoji="1" lang="ja-JP" altLang="en-US" dirty="0" smtClean="0"/>
-              <a:t>などの他の</a:t>
-            </a:r>
-            <a:r>
-              <a:rPr kumimoji="1" lang="en-US" altLang="ja-JP" dirty="0" smtClean="0"/>
-              <a:t>VCS</a:t>
+              <a:t>や</a:t>
+            </a:r>
+            <a:r>
+              <a:rPr kumimoji="1" lang="en-US" altLang="ja-JP" dirty="0" err="1" smtClean="0"/>
+              <a:t>GitLab</a:t>
+            </a:r>
+            <a:r>
+              <a:rPr kumimoji="1" lang="ja-JP" altLang="en-US" dirty="0" err="1" smtClean="0"/>
+              <a:t>、</a:t>
+            </a:r>
+            <a:r>
+              <a:rPr kumimoji="1" lang="en-US" altLang="ja-JP" dirty="0" err="1" smtClean="0"/>
+              <a:t>RhodeCode</a:t>
             </a:r>
             <a:r>
               <a:rPr kumimoji="1" lang="ja-JP" altLang="en-US" dirty="0" smtClean="0"/>
-              <a:t>にはない、</a:t>
+              <a:t>といった、いわゆる「ホスティングサービス」を使用すると、そのような通達をシステム的な機能として実現できる。</a:t>
+            </a:r>
+            <a:endParaRPr kumimoji="1" lang="en-US" altLang="ja-JP" dirty="0" smtClean="0"/>
+          </a:p>
+          <a:p>
+            <a:r>
+              <a:rPr kumimoji="1" lang="ja-JP" altLang="en-US" dirty="0" smtClean="0"/>
+              <a:t>このようなコミュニケーションの為の機能は、</a:t>
             </a:r>
             <a:r>
               <a:rPr kumimoji="1" lang="en-US" altLang="ja-JP" dirty="0" err="1" smtClean="0"/>
@@ -2351,324 +2806,17 @@
             </a:r>
             <a:r>
               <a:rPr kumimoji="1" lang="ja-JP" altLang="en-US" dirty="0" smtClean="0"/>
-              <a:t>の特徴の一つ。</a:t>
+              <a:t>自身は有していない。</a:t>
             </a:r>
             <a:endParaRPr kumimoji="1" lang="en-US" altLang="ja-JP" dirty="0" smtClean="0"/>
           </a:p>
           <a:p>
-            <a:r>
-              <a:rPr kumimoji="1" lang="en-US" altLang="ja-JP" dirty="0" err="1" smtClean="0"/>
-              <a:t>Git</a:t>
-            </a:r>
+            <a:endParaRPr kumimoji="1" lang="en-US" altLang="ja-JP" dirty="0" smtClean="0"/>
+          </a:p>
+          <a:p>
             <a:r>
               <a:rPr kumimoji="1" lang="ja-JP" altLang="en-US" dirty="0" smtClean="0"/>
-              <a:t>のリポジトリの管理構造に依拠する仕組み。</a:t>
-            </a:r>
-            <a:endParaRPr kumimoji="1" lang="en-US" altLang="ja-JP" dirty="0" smtClean="0"/>
-          </a:p>
-          <a:p>
-            <a:endParaRPr kumimoji="1" lang="en-US" altLang="ja-JP" dirty="0" smtClean="0"/>
-          </a:p>
-          <a:p>
-            <a:r>
-              <a:rPr kumimoji="1" lang="en-US" altLang="ja-JP" dirty="0" err="1" smtClean="0"/>
-              <a:t>Git</a:t>
-            </a:r>
-            <a:r>
-              <a:rPr kumimoji="1" lang="ja-JP" altLang="en-US" dirty="0" smtClean="0"/>
-              <a:t>では、</a:t>
-            </a:r>
-            <a:r>
-              <a:rPr kumimoji="1" lang="en-US" altLang="ja-JP" dirty="0" smtClean="0"/>
-              <a:t>Subversion</a:t>
-            </a:r>
-            <a:r>
-              <a:rPr kumimoji="1" lang="ja-JP" altLang="en-US" dirty="0" smtClean="0"/>
-              <a:t>と比べてブランチを積極的に活用する開発スタイルとなる。</a:t>
-            </a:r>
-            <a:endParaRPr kumimoji="1" lang="en-US" altLang="ja-JP" dirty="0" smtClean="0"/>
-          </a:p>
-          <a:p>
-            <a:r>
-              <a:rPr kumimoji="1" lang="ja-JP" altLang="en-US" dirty="0" smtClean="0"/>
-              <a:t>この図では、基本的な流れとして、開発者が毎回作業ブランチを作成して、リーダーの判断でマージする事を示しているが、開発者が直接マスター（本流）にソースを登録する事も可能。</a:t>
-            </a:r>
-            <a:endParaRPr kumimoji="1" lang="en-US" altLang="ja-JP" dirty="0" smtClean="0"/>
-          </a:p>
-          <a:p>
-            <a:endParaRPr kumimoji="1" lang="en-US" altLang="ja-JP" dirty="0" smtClean="0"/>
-          </a:p>
-          <a:p>
-            <a:r>
-              <a:rPr kumimoji="1" lang="ja-JP" altLang="en-US" dirty="0" smtClean="0"/>
-              <a:t>「作業ブランチ」と表記しているのは、</a:t>
-            </a:r>
-            <a:r>
-              <a:rPr kumimoji="1" lang="en-US" altLang="ja-JP" dirty="0" smtClean="0"/>
-              <a:t>Subversion</a:t>
-            </a:r>
-            <a:r>
-              <a:rPr kumimoji="1" lang="ja-JP" altLang="en-US" dirty="0" smtClean="0"/>
-              <a:t>におけるブランチよりもかなり意味が軽い。</a:t>
-            </a:r>
-            <a:endParaRPr kumimoji="1" lang="en-US" altLang="ja-JP" dirty="0" smtClean="0"/>
-          </a:p>
-          <a:p>
-            <a:r>
-              <a:rPr kumimoji="1" lang="ja-JP" altLang="en-US" dirty="0" smtClean="0"/>
-              <a:t>一つの作業タスクや一つのバグ修正にあたって毎回ブランチを作成する、いわゆる「トピックブランチ」と呼ばれるブランチを指す。</a:t>
-            </a:r>
-            <a:endParaRPr kumimoji="1" lang="en-US" altLang="ja-JP" dirty="0" smtClean="0"/>
-          </a:p>
-          <a:p>
-            <a:endParaRPr kumimoji="1" lang="en-US" altLang="ja-JP" dirty="0" smtClean="0"/>
-          </a:p>
-          <a:p>
-            <a:r>
-              <a:rPr kumimoji="1" lang="ja-JP" altLang="en-US" dirty="0" smtClean="0"/>
-              <a:t>また、数名で一つの機能を作成している間などは、もう少し大掛かりなブランチとして、「機能ブランチ」と呼ばれるブランチを作成して、その一部のスタッフ間だけで共有して作業する。</a:t>
-            </a:r>
-            <a:endParaRPr kumimoji="1" lang="en-US" altLang="ja-JP" dirty="0" smtClean="0"/>
-          </a:p>
-          <a:p>
-            <a:endParaRPr kumimoji="1" lang="en-US" altLang="ja-JP" dirty="0" smtClean="0"/>
-          </a:p>
-          <a:p>
-            <a:r>
-              <a:rPr kumimoji="1" lang="ja-JP" altLang="en-US" dirty="0" smtClean="0"/>
-              <a:t>もちろん、</a:t>
-            </a:r>
-            <a:r>
-              <a:rPr kumimoji="1" lang="en-US" altLang="ja-JP" dirty="0" smtClean="0"/>
-              <a:t>Subversion</a:t>
-            </a:r>
-            <a:r>
-              <a:rPr kumimoji="1" lang="ja-JP" altLang="en-US" dirty="0" smtClean="0"/>
-              <a:t>と同じく、過去のリリースを保持しつつ、新しいリリースを開発する為の「開発ブランチ」としても用いられる。</a:t>
-            </a:r>
-            <a:endParaRPr kumimoji="1" lang="en-US" altLang="ja-JP" dirty="0" smtClean="0"/>
-          </a:p>
-          <a:p>
-            <a:r>
-              <a:rPr kumimoji="1" lang="ja-JP" altLang="en-US" dirty="0" smtClean="0"/>
-              <a:t>長期的なブランチとしては、「開発ブランチ」、「安定ブランチ」、「メンテナンスブランチ」のように細かく分けて扱う場合もある。</a:t>
-            </a:r>
-            <a:endParaRPr kumimoji="1" lang="en-US" altLang="ja-JP" dirty="0" smtClean="0"/>
-          </a:p>
-          <a:p>
-            <a:endParaRPr kumimoji="1" lang="en-US" altLang="ja-JP" dirty="0" smtClean="0"/>
-          </a:p>
-          <a:p>
-            <a:r>
-              <a:rPr kumimoji="1" lang="en-US" altLang="ja-JP" dirty="0" smtClean="0"/>
-              <a:t>Subversion</a:t>
-            </a:r>
-            <a:r>
-              <a:rPr kumimoji="1" lang="ja-JP" altLang="en-US" dirty="0" smtClean="0"/>
-              <a:t>と同じく、特定のリリース状態を「タグ」として記録する事も可能。</a:t>
-            </a:r>
-            <a:endParaRPr kumimoji="1" lang="en-US" altLang="ja-JP" dirty="0" smtClean="0"/>
-          </a:p>
-          <a:p>
-            <a:endParaRPr kumimoji="1" lang="en-US" altLang="ja-JP" dirty="0" smtClean="0"/>
-          </a:p>
-          <a:p>
-            <a:r>
-              <a:rPr kumimoji="1" lang="ja-JP" altLang="en-US" dirty="0" smtClean="0"/>
-              <a:t>いずれのブランチも、システムの機能としての違いはなく、あくまでも作業を進行する上での約束事として使い分ける。</a:t>
-            </a:r>
-            <a:endParaRPr kumimoji="1" lang="en-US" altLang="ja-JP" dirty="0" smtClean="0"/>
-          </a:p>
-          <a:p>
-            <a:endParaRPr kumimoji="1" lang="en-US" altLang="ja-JP" dirty="0" smtClean="0"/>
-          </a:p>
-          <a:p>
-            <a:r>
-              <a:rPr kumimoji="1" lang="ja-JP" altLang="en-US" dirty="0" smtClean="0"/>
-              <a:t>ブランチの名称には、ブランチの種類を示す接頭辞を付ける事や、作業タスクのチケット番号／</a:t>
-            </a:r>
-            <a:r>
-              <a:rPr kumimoji="1" lang="en-US" altLang="ja-JP" dirty="0" smtClean="0"/>
-              <a:t>BTS</a:t>
-            </a:r>
-            <a:r>
-              <a:rPr kumimoji="1" lang="ja-JP" altLang="en-US" dirty="0" smtClean="0"/>
-              <a:t>の番号を入れる事、個人の名前を入れる事など、命名規則を定めて開発する。</a:t>
-            </a:r>
-            <a:endParaRPr kumimoji="1" lang="en-US" altLang="ja-JP" dirty="0" smtClean="0"/>
-          </a:p>
-          <a:p>
-            <a:r>
-              <a:rPr kumimoji="1" lang="ja-JP" altLang="en-US" dirty="0" smtClean="0"/>
-              <a:t>（例：</a:t>
-            </a:r>
-            <a:r>
-              <a:rPr kumimoji="1" lang="en-US" altLang="ja-JP" dirty="0" smtClean="0"/>
-              <a:t>issue/</a:t>
-            </a:r>
-            <a:r>
-              <a:rPr kumimoji="1" lang="en-US" altLang="ja-JP" dirty="0" err="1" smtClean="0"/>
-              <a:t>m_itagaki</a:t>
-            </a:r>
-            <a:r>
-              <a:rPr kumimoji="1" lang="en-US" altLang="ja-JP" dirty="0" smtClean="0"/>
-              <a:t>/123,</a:t>
-            </a:r>
-            <a:r>
-              <a:rPr kumimoji="1" lang="en-US" altLang="ja-JP" baseline="0" dirty="0" smtClean="0"/>
-              <a:t> bug/</a:t>
-            </a:r>
-            <a:r>
-              <a:rPr kumimoji="1" lang="en-US" altLang="ja-JP" baseline="0" dirty="0" err="1" smtClean="0"/>
-              <a:t>m_itagaki</a:t>
-            </a:r>
-            <a:r>
-              <a:rPr kumimoji="1" lang="en-US" altLang="ja-JP" baseline="0" dirty="0" smtClean="0"/>
-              <a:t>/456, feature/23, </a:t>
-            </a:r>
-            <a:r>
-              <a:rPr kumimoji="1" lang="en-US" altLang="ja-JP" baseline="0" dirty="0" err="1" smtClean="0"/>
-              <a:t>devel</a:t>
-            </a:r>
-            <a:r>
-              <a:rPr kumimoji="1" lang="en-US" altLang="ja-JP" baseline="0" dirty="0" smtClean="0"/>
-              <a:t>/1.0, master, </a:t>
-            </a:r>
-            <a:r>
-              <a:rPr kumimoji="1" lang="en-US" altLang="ja-JP" baseline="0" dirty="0" err="1" smtClean="0"/>
-              <a:t>maint</a:t>
-            </a:r>
-            <a:r>
-              <a:rPr kumimoji="1" lang="en-US" altLang="ja-JP" baseline="0" dirty="0" smtClean="0"/>
-              <a:t>/1.1 </a:t>
-            </a:r>
-            <a:r>
-              <a:rPr kumimoji="1" lang="ja-JP" altLang="en-US" baseline="0" dirty="0" smtClean="0"/>
-              <a:t>など</a:t>
-            </a:r>
-            <a:r>
-              <a:rPr kumimoji="1" lang="ja-JP" altLang="en-US" dirty="0" smtClean="0"/>
-              <a:t>）</a:t>
-            </a:r>
-            <a:endParaRPr kumimoji="1" lang="en-US" altLang="ja-JP" dirty="0" smtClean="0"/>
-          </a:p>
-          <a:p>
-            <a:endParaRPr kumimoji="1" lang="en-US" altLang="ja-JP" dirty="0" smtClean="0"/>
-          </a:p>
-          <a:p>
-            <a:r>
-              <a:rPr kumimoji="1" lang="ja-JP" altLang="en-US" dirty="0" smtClean="0"/>
-              <a:t>上記のような細かいブランチを活用する事で、例えば、何かしらの新しい開発を行っている時に、数日前にコミットしたソースの修正が求められた場合などにも混乱なく対応ができる。</a:t>
-            </a:r>
-            <a:endParaRPr kumimoji="1" lang="en-US" altLang="ja-JP" dirty="0" smtClean="0"/>
-          </a:p>
-          <a:p>
-            <a:endParaRPr kumimoji="1" lang="en-US" altLang="ja-JP" dirty="0" smtClean="0"/>
-          </a:p>
-          <a:p>
-            <a:r>
-              <a:rPr kumimoji="1" lang="ja-JP" altLang="en-US" dirty="0" smtClean="0"/>
-              <a:t>その時作業中だったものをローカルにコミットした上で（他者に影響が出ないので中途半端な状態でコミットして良い）、修正対象のブランチに切り替えて作業を行い、終わったら中断していた作業に戻る事ができる。</a:t>
-            </a:r>
-            <a:endParaRPr kumimoji="1" lang="en-US" altLang="ja-JP" dirty="0" smtClean="0"/>
-          </a:p>
-          <a:p>
-            <a:r>
-              <a:rPr kumimoji="1" lang="ja-JP" altLang="en-US" dirty="0" smtClean="0"/>
-              <a:t>ブランチを切り替えると、</a:t>
-            </a:r>
-            <a:r>
-              <a:rPr kumimoji="1" lang="en-US" altLang="ja-JP" dirty="0" err="1" smtClean="0"/>
-              <a:t>Git</a:t>
-            </a:r>
-            <a:r>
-              <a:rPr kumimoji="1" lang="ja-JP" altLang="en-US" dirty="0" smtClean="0"/>
-              <a:t>はソースコードの状態を適切に切り替えてくれるのが利点。しかもそれはローカルで行われるので早い。</a:t>
-            </a:r>
-            <a:endParaRPr kumimoji="1" lang="en-US" altLang="ja-JP" dirty="0" smtClean="0"/>
-          </a:p>
-          <a:p>
-            <a:endParaRPr kumimoji="1" lang="en-US" altLang="ja-JP" dirty="0" smtClean="0"/>
-          </a:p>
-          <a:p>
-            <a:r>
-              <a:rPr kumimoji="1" lang="ja-JP" altLang="en-US" dirty="0" smtClean="0"/>
-              <a:t>これにより、重要なビルド工程の際に、万が一に備えて大勢の開発者にビルドの結果を待って作業の手を止めてもらうといった、</a:t>
-            </a:r>
-            <a:r>
-              <a:rPr kumimoji="1" lang="en-US" altLang="ja-JP" dirty="0" smtClean="0"/>
-              <a:t>Subversion</a:t>
-            </a:r>
-            <a:r>
-              <a:rPr kumimoji="1" lang="ja-JP" altLang="en-US" dirty="0" smtClean="0"/>
-              <a:t>使用時に起こっていたワークフロー上の問題を改善できる。</a:t>
-            </a:r>
-            <a:endParaRPr kumimoji="1" lang="en-US" altLang="ja-JP" dirty="0" smtClean="0"/>
-          </a:p>
-          <a:p>
-            <a:endParaRPr kumimoji="1" lang="en-US" altLang="ja-JP" dirty="0" smtClean="0"/>
-          </a:p>
-          <a:p>
-            <a:r>
-              <a:rPr kumimoji="1" lang="ja-JP" altLang="en-US" dirty="0" smtClean="0"/>
-              <a:t>「プルリクエスト」や「マージリクエスト」は、直接的な声掛けで運用する事も可能だが（「一通り出来たのでマージして下さい」と依頼する）、</a:t>
-            </a:r>
-            <a:r>
-              <a:rPr kumimoji="1" lang="en-US" altLang="ja-JP" dirty="0" err="1" smtClean="0"/>
-              <a:t>GitHub</a:t>
-            </a:r>
-            <a:r>
-              <a:rPr kumimoji="1" lang="ja-JP" altLang="en-US" dirty="0" smtClean="0"/>
-              <a:t>や</a:t>
-            </a:r>
-            <a:r>
-              <a:rPr kumimoji="1" lang="en-US" altLang="ja-JP" dirty="0" err="1" smtClean="0"/>
-              <a:t>GitLab</a:t>
-            </a:r>
-            <a:r>
-              <a:rPr kumimoji="1" lang="ja-JP" altLang="en-US" dirty="0" err="1" smtClean="0"/>
-              <a:t>、</a:t>
-            </a:r>
-            <a:r>
-              <a:rPr kumimoji="1" lang="en-US" altLang="ja-JP" dirty="0" err="1" smtClean="0"/>
-              <a:t>RhodeCode</a:t>
-            </a:r>
-            <a:r>
-              <a:rPr kumimoji="1" lang="ja-JP" altLang="en-US" dirty="0" smtClean="0"/>
-              <a:t>といった、いわゆる「ホスティングサービス」を使用すると、そのような通達をシステム的な機能として実現できる。</a:t>
-            </a:r>
-            <a:endParaRPr kumimoji="1" lang="en-US" altLang="ja-JP" dirty="0" smtClean="0"/>
-          </a:p>
-          <a:p>
-            <a:r>
-              <a:rPr kumimoji="1" lang="ja-JP" altLang="en-US" dirty="0" smtClean="0"/>
-              <a:t>このようなコミュニケーションの為の機能は、</a:t>
-            </a:r>
-            <a:r>
-              <a:rPr kumimoji="1" lang="en-US" altLang="ja-JP" dirty="0" err="1" smtClean="0"/>
-              <a:t>Git</a:t>
-            </a:r>
-            <a:r>
-              <a:rPr kumimoji="1" lang="ja-JP" altLang="en-US" dirty="0" smtClean="0"/>
-              <a:t>自身は有していない。</a:t>
-            </a:r>
-            <a:endParaRPr kumimoji="1" lang="en-US" altLang="ja-JP" dirty="0" smtClean="0"/>
-          </a:p>
-          <a:p>
-            <a:endParaRPr kumimoji="1" lang="en-US" altLang="ja-JP" dirty="0" smtClean="0"/>
-          </a:p>
-          <a:p>
-            <a:r>
-              <a:rPr kumimoji="1" lang="ja-JP" altLang="en-US" dirty="0" smtClean="0"/>
-              <a:t>図には描いていないが</a:t>
-            </a:r>
-            <a:r>
-              <a:rPr kumimoji="1" lang="ja-JP" altLang="en-US" dirty="0" smtClean="0"/>
-              <a:t>、共有リポジトリ</a:t>
-            </a:r>
-            <a:r>
-              <a:rPr kumimoji="1" lang="ja-JP" altLang="en-US" dirty="0" smtClean="0"/>
-              <a:t>として、</a:t>
+              <a:t>図には描いていないが、共有リポジトリとして、</a:t>
             </a:r>
             <a:r>
               <a:rPr kumimoji="1" lang="en-US" altLang="ja-JP" dirty="0" smtClean="0"/>
@@ -4200,7 +4348,7 @@
           <a:p>
             <a:fld id="{C66F510E-5AB8-4FBE-9312-7856B8EE696A}" type="datetimeFigureOut">
               <a:rPr kumimoji="1" lang="ja-JP" altLang="en-US" smtClean="0"/>
-              <a:t>2013/6/20</a:t>
+              <a:t>2013/6/21</a:t>
             </a:fld>
             <a:endParaRPr kumimoji="1" lang="ja-JP" altLang="en-US"/>
           </a:p>
@@ -5320,7 +5468,7 @@
           <a:p>
             <a:fld id="{C66F510E-5AB8-4FBE-9312-7856B8EE696A}" type="datetimeFigureOut">
               <a:rPr kumimoji="1" lang="ja-JP" altLang="en-US" smtClean="0"/>
-              <a:t>2013/6/20</a:t>
+              <a:t>2013/6/21</a:t>
             </a:fld>
             <a:endParaRPr kumimoji="1" lang="ja-JP" altLang="en-US"/>
           </a:p>
@@ -6331,7 +6479,7 @@
           <a:p>
             <a:fld id="{C66F510E-5AB8-4FBE-9312-7856B8EE696A}" type="datetimeFigureOut">
               <a:rPr kumimoji="1" lang="ja-JP" altLang="en-US" smtClean="0"/>
-              <a:t>2013/6/20</a:t>
+              <a:t>2013/6/21</a:t>
             </a:fld>
             <a:endParaRPr kumimoji="1" lang="ja-JP" altLang="en-US"/>
           </a:p>
@@ -7501,7 +7649,7 @@
           <a:p>
             <a:fld id="{C66F510E-5AB8-4FBE-9312-7856B8EE696A}" type="datetimeFigureOut">
               <a:rPr kumimoji="1" lang="ja-JP" altLang="en-US" smtClean="0"/>
-              <a:t>2013/6/20</a:t>
+              <a:t>2013/6/21</a:t>
             </a:fld>
             <a:endParaRPr kumimoji="1" lang="ja-JP" altLang="en-US"/>
           </a:p>
@@ -8562,7 +8710,7 @@
           <a:p>
             <a:fld id="{C66F510E-5AB8-4FBE-9312-7856B8EE696A}" type="datetimeFigureOut">
               <a:rPr kumimoji="1" lang="ja-JP" altLang="en-US" smtClean="0"/>
-              <a:t>2013/6/20</a:t>
+              <a:t>2013/6/21</a:t>
             </a:fld>
             <a:endParaRPr kumimoji="1" lang="ja-JP" altLang="en-US"/>
           </a:p>
@@ -9208,7 +9356,7 @@
           <a:p>
             <a:fld id="{C66F510E-5AB8-4FBE-9312-7856B8EE696A}" type="datetimeFigureOut">
               <a:rPr kumimoji="1" lang="ja-JP" altLang="en-US" smtClean="0"/>
-              <a:t>2013/6/20</a:t>
+              <a:t>2013/6/21</a:t>
             </a:fld>
             <a:endParaRPr kumimoji="1" lang="ja-JP" altLang="en-US"/>
           </a:p>
@@ -10055,7 +10203,7 @@
           <a:p>
             <a:fld id="{C66F510E-5AB8-4FBE-9312-7856B8EE696A}" type="datetimeFigureOut">
               <a:rPr kumimoji="1" lang="ja-JP" altLang="en-US" smtClean="0"/>
-              <a:t>2013/6/20</a:t>
+              <a:t>2013/6/21</a:t>
             </a:fld>
             <a:endParaRPr kumimoji="1" lang="ja-JP" altLang="en-US"/>
           </a:p>
@@ -10262,7 +10410,7 @@
           <a:p>
             <a:fld id="{C66F510E-5AB8-4FBE-9312-7856B8EE696A}" type="datetimeFigureOut">
               <a:rPr kumimoji="1" lang="ja-JP" altLang="en-US" smtClean="0"/>
-              <a:t>2013/6/20</a:t>
+              <a:t>2013/6/21</a:t>
             </a:fld>
             <a:endParaRPr kumimoji="1" lang="ja-JP" altLang="en-US"/>
           </a:p>
@@ -11292,7 +11440,7 @@
           <a:p>
             <a:fld id="{C66F510E-5AB8-4FBE-9312-7856B8EE696A}" type="datetimeFigureOut">
               <a:rPr kumimoji="1" lang="ja-JP" altLang="en-US" smtClean="0"/>
-              <a:t>2013/6/20</a:t>
+              <a:t>2013/6/21</a:t>
             </a:fld>
             <a:endParaRPr kumimoji="1" lang="ja-JP" altLang="en-US"/>
           </a:p>
@@ -11530,7 +11678,7 @@
           <a:p>
             <a:fld id="{C66F510E-5AB8-4FBE-9312-7856B8EE696A}" type="datetimeFigureOut">
               <a:rPr kumimoji="1" lang="ja-JP" altLang="en-US" smtClean="0"/>
-              <a:t>2013/6/20</a:t>
+              <a:t>2013/6/21</a:t>
             </a:fld>
             <a:endParaRPr kumimoji="1" lang="ja-JP" altLang="en-US"/>
           </a:p>
@@ -12592,7 +12740,7 @@
           <a:p>
             <a:fld id="{C66F510E-5AB8-4FBE-9312-7856B8EE696A}" type="datetimeFigureOut">
               <a:rPr kumimoji="1" lang="ja-JP" altLang="en-US" smtClean="0"/>
-              <a:t>2013/6/20</a:t>
+              <a:t>2013/6/21</a:t>
             </a:fld>
             <a:endParaRPr kumimoji="1" lang="ja-JP" altLang="en-US"/>
           </a:p>
@@ -12928,7 +13076,7 @@
           <a:p>
             <a:fld id="{C66F510E-5AB8-4FBE-9312-7856B8EE696A}" type="datetimeFigureOut">
               <a:rPr kumimoji="1" lang="ja-JP" altLang="en-US" smtClean="0"/>
-              <a:t>2013/6/20</a:t>
+              <a:t>2013/6/21</a:t>
             </a:fld>
             <a:endParaRPr kumimoji="1" lang="ja-JP" altLang="en-US"/>
           </a:p>
@@ -13374,7 +13522,7 @@
           <a:p>
             <a:fld id="{C66F510E-5AB8-4FBE-9312-7856B8EE696A}" type="datetimeFigureOut">
               <a:rPr kumimoji="1" lang="ja-JP" altLang="en-US" smtClean="0"/>
-              <a:t>2013/6/20</a:t>
+              <a:t>2013/6/21</a:t>
             </a:fld>
             <a:endParaRPr kumimoji="1" lang="ja-JP" altLang="en-US"/>
           </a:p>
@@ -13492,7 +13640,7 @@
           <a:p>
             <a:fld id="{C66F510E-5AB8-4FBE-9312-7856B8EE696A}" type="datetimeFigureOut">
               <a:rPr kumimoji="1" lang="ja-JP" altLang="en-US" smtClean="0"/>
-              <a:t>2013/6/20</a:t>
+              <a:t>2013/6/21</a:t>
             </a:fld>
             <a:endParaRPr kumimoji="1" lang="ja-JP" altLang="en-US"/>
           </a:p>
@@ -13587,7 +13735,7 @@
           <a:p>
             <a:fld id="{C66F510E-5AB8-4FBE-9312-7856B8EE696A}" type="datetimeFigureOut">
               <a:rPr kumimoji="1" lang="ja-JP" altLang="en-US" smtClean="0"/>
-              <a:t>2013/6/20</a:t>
+              <a:t>2013/6/21</a:t>
             </a:fld>
             <a:endParaRPr kumimoji="1" lang="ja-JP" altLang="en-US"/>
           </a:p>
@@ -14728,7 +14876,7 @@
           <a:p>
             <a:fld id="{C66F510E-5AB8-4FBE-9312-7856B8EE696A}" type="datetimeFigureOut">
               <a:rPr kumimoji="1" lang="ja-JP" altLang="en-US" smtClean="0"/>
-              <a:t>2013/6/20</a:t>
+              <a:t>2013/6/21</a:t>
             </a:fld>
             <a:endParaRPr kumimoji="1" lang="ja-JP" altLang="en-US"/>
           </a:p>
@@ -15861,7 +16009,7 @@
           <a:p>
             <a:fld id="{C66F510E-5AB8-4FBE-9312-7856B8EE696A}" type="datetimeFigureOut">
               <a:rPr kumimoji="1" lang="ja-JP" altLang="en-US" smtClean="0"/>
-              <a:t>2013/6/20</a:t>
+              <a:t>2013/6/21</a:t>
             </a:fld>
             <a:endParaRPr kumimoji="1" lang="ja-JP" altLang="en-US"/>
           </a:p>
@@ -16921,7 +17069,7 @@
           <a:p>
             <a:fld id="{C66F510E-5AB8-4FBE-9312-7856B8EE696A}" type="datetimeFigureOut">
               <a:rPr kumimoji="1" lang="ja-JP" altLang="en-US" smtClean="0"/>
-              <a:t>2013/6/20</a:t>
+              <a:t>2013/6/21</a:t>
             </a:fld>
             <a:endParaRPr kumimoji="1" lang="ja-JP" altLang="en-US"/>
           </a:p>
@@ -17662,8 +17810,8 @@
           </a:p>
           <a:p>
             <a:r>
-              <a:rPr lang="en-US" altLang="ja-JP" dirty="0" err="1" smtClean="0"/>
-              <a:t>SubVersion</a:t>
+              <a:rPr lang="en-US" altLang="ja-JP" dirty="0" smtClean="0"/>
+              <a:t>Subversion</a:t>
             </a:r>
             <a:r>
               <a:rPr lang="ja-JP" altLang="en-US" dirty="0" smtClean="0"/>
@@ -17891,7 +18039,19 @@
             </a:r>
             <a:r>
               <a:rPr kumimoji="1" lang="ja-JP" altLang="en-US" dirty="0" smtClean="0"/>
-              <a:t>を活用すべきでないケース</a:t>
+              <a:t>を活用</a:t>
+            </a:r>
+            <a:r>
+              <a:rPr kumimoji="1" lang="ja-JP" altLang="en-US" dirty="0" smtClean="0">
+                <a:solidFill>
+                  <a:srgbClr val="FF0000"/>
+                </a:solidFill>
+              </a:rPr>
+              <a:t>すべきでない</a:t>
+            </a:r>
+            <a:r>
+              <a:rPr kumimoji="1" lang="ja-JP" altLang="en-US" dirty="0" smtClean="0"/>
+              <a:t>ケース</a:t>
             </a:r>
             <a:endParaRPr kumimoji="1" lang="ja-JP" altLang="en-US" dirty="0"/>
           </a:p>
@@ -17932,6 +18092,35 @@
             <a:r>
               <a:rPr kumimoji="1" lang="ja-JP" altLang="en-US" dirty="0" smtClean="0"/>
               <a:t>場合</a:t>
+            </a:r>
+            <a:endParaRPr kumimoji="1" lang="en-US" altLang="ja-JP" dirty="0" smtClean="0"/>
+          </a:p>
+          <a:p>
+            <a:r>
+              <a:rPr kumimoji="1" lang="ja-JP" altLang="en-US" dirty="0" smtClean="0"/>
+              <a:t>既に</a:t>
+            </a:r>
+            <a:r>
+              <a:rPr kumimoji="1" lang="en-US" altLang="ja-JP" dirty="0" smtClean="0"/>
+              <a:t>Subversion</a:t>
+            </a:r>
+            <a:r>
+              <a:rPr kumimoji="1" lang="ja-JP" altLang="en-US" dirty="0" smtClean="0"/>
+              <a:t>等を使用していて、前述のような問題が出ていない現場の場合</a:t>
+            </a:r>
+            <a:endParaRPr kumimoji="1" lang="en-US" altLang="ja-JP" dirty="0" smtClean="0"/>
+          </a:p>
+          <a:p>
+            <a:r>
+              <a:rPr kumimoji="1" lang="ja-JP" altLang="en-US" dirty="0" smtClean="0"/>
+              <a:t>多くのスタッフに対して、なるべく簡潔化した操作マニュアルを提示できない場合</a:t>
+            </a:r>
+            <a:endParaRPr kumimoji="1" lang="en-US" altLang="ja-JP" dirty="0" smtClean="0"/>
+          </a:p>
+          <a:p>
+            <a:r>
+              <a:rPr kumimoji="1" lang="ja-JP" altLang="en-US" dirty="0" smtClean="0"/>
+              <a:t>問題発生時に十分スタッフのサポートができる体制が取れない場合</a:t>
             </a:r>
             <a:endParaRPr kumimoji="1" lang="en-US" altLang="ja-JP" dirty="0" smtClean="0"/>
           </a:p>

--- a/document/Gitマニュアル・調査資料/[01]Subversionユーザーの為のGit活用の勧め.pptx
+++ b/document/Gitマニュアル・調査資料/[01]Subversionユーザーの為のGit活用の勧め.pptx
@@ -209,7 +209,7 @@
           <a:p>
             <a:fld id="{832228A0-728D-413E-A7FC-9737804B52A5}" type="datetimeFigureOut">
               <a:rPr kumimoji="1" lang="ja-JP" altLang="en-US" smtClean="0"/>
-              <a:t>2013/6/21</a:t>
+              <a:t>2013/7/19</a:t>
             </a:fld>
             <a:endParaRPr kumimoji="1" lang="ja-JP" altLang="en-US"/>
           </a:p>
@@ -571,7 +571,15 @@
             </a:r>
             <a:r>
               <a:rPr kumimoji="1" lang="ja-JP" altLang="en-US" dirty="0" smtClean="0"/>
-              <a:t>）を活用していたユーザーに対して、</a:t>
+              <a:t>）</a:t>
+            </a:r>
+            <a:r>
+              <a:rPr kumimoji="1" lang="ja-JP" altLang="en-US" dirty="0" smtClean="0"/>
+              <a:t>を使用した事のあるユーザー</a:t>
+            </a:r>
+            <a:r>
+              <a:rPr kumimoji="1" lang="ja-JP" altLang="en-US" dirty="0" smtClean="0"/>
+              <a:t>に対して、</a:t>
             </a:r>
             <a:r>
               <a:rPr kumimoji="1" lang="en-US" altLang="ja-JP" dirty="0" err="1" smtClean="0"/>
@@ -579,7 +587,19 @@
             </a:r>
             <a:r>
               <a:rPr kumimoji="1" lang="ja-JP" altLang="en-US" dirty="0" smtClean="0"/>
-              <a:t>（ギット）の活用を勧める事を目的としたものです。</a:t>
+              <a:t>（ギット）の活用</a:t>
+            </a:r>
+            <a:r>
+              <a:rPr kumimoji="1" lang="ja-JP" altLang="en-US" smtClean="0"/>
+              <a:t>を</a:t>
+            </a:r>
+            <a:r>
+              <a:rPr kumimoji="1" lang="ja-JP" altLang="en-US" smtClean="0"/>
+              <a:t>勧めるもの</a:t>
+            </a:r>
+            <a:r>
+              <a:rPr kumimoji="1" lang="ja-JP" altLang="en-US" dirty="0" smtClean="0"/>
+              <a:t>です。</a:t>
             </a:r>
             <a:endParaRPr kumimoji="1" lang="en-US" altLang="ja-JP" dirty="0" smtClean="0"/>
           </a:p>
@@ -603,6 +623,122 @@
               <a:rPr kumimoji="1" lang="ja-JP" altLang="en-US" dirty="0" smtClean="0"/>
               <a:t>を活用する事を想定しています。</a:t>
             </a:r>
+            <a:endParaRPr kumimoji="1" lang="en-US" altLang="ja-JP" dirty="0" smtClean="0"/>
+          </a:p>
+          <a:p>
+            <a:endParaRPr kumimoji="1" lang="en-US" altLang="ja-JP" dirty="0" smtClean="0"/>
+          </a:p>
+          <a:p>
+            <a:r>
+              <a:rPr kumimoji="1" lang="en-US" altLang="ja-JP" dirty="0" smtClean="0"/>
+              <a:t>==========</a:t>
+            </a:r>
+          </a:p>
+          <a:p>
+            <a:endParaRPr kumimoji="1" lang="en-US" altLang="ja-JP" dirty="0" smtClean="0"/>
+          </a:p>
+          <a:p>
+            <a:r>
+              <a:rPr kumimoji="1" lang="ja-JP" altLang="en-US" dirty="0" smtClean="0"/>
+              <a:t>版</a:t>
+            </a:r>
+            <a:r>
+              <a:rPr kumimoji="1" lang="en-US" altLang="ja-JP" dirty="0" smtClean="0"/>
+              <a:t>	</a:t>
+            </a:r>
+            <a:r>
+              <a:rPr kumimoji="1" lang="ja-JP" altLang="en-US" dirty="0" smtClean="0"/>
+              <a:t>リリース</a:t>
+            </a:r>
+            <a:r>
+              <a:rPr kumimoji="1" lang="en-US" altLang="ja-JP" dirty="0" smtClean="0"/>
+              <a:t>		</a:t>
+            </a:r>
+            <a:r>
+              <a:rPr kumimoji="1" lang="ja-JP" altLang="en-US" dirty="0" smtClean="0"/>
+              <a:t>担当</a:t>
+            </a:r>
+            <a:r>
+              <a:rPr kumimoji="1" lang="en-US" altLang="ja-JP" dirty="0" smtClean="0"/>
+              <a:t>	</a:t>
+            </a:r>
+            <a:r>
+              <a:rPr kumimoji="1" lang="ja-JP" altLang="en-US" dirty="0" smtClean="0"/>
+              <a:t>改訂内容</a:t>
+            </a:r>
+            <a:endParaRPr kumimoji="1" lang="en-US" altLang="ja-JP" dirty="0" smtClean="0"/>
+          </a:p>
+          <a:p>
+            <a:pPr marL="0" marR="0" indent="0" algn="l" defTabSz="914400" rtl="0" eaLnBrk="1" fontAlgn="auto" latinLnBrk="0" hangingPunct="1">
+              <a:lnSpc>
+                <a:spcPct val="100000"/>
+              </a:lnSpc>
+              <a:spcBef>
+                <a:spcPts val="0"/>
+              </a:spcBef>
+              <a:spcAft>
+                <a:spcPts val="0"/>
+              </a:spcAft>
+              <a:buClrTx/>
+              <a:buSzTx/>
+              <a:buFontTx/>
+              <a:buNone/>
+              <a:tabLst/>
+              <a:defRPr/>
+            </a:pPr>
+            <a:r>
+              <a:rPr kumimoji="1" lang="en-US" altLang="ja-JP" dirty="0" smtClean="0"/>
+              <a:t>----------	--------------------	----------	----------</a:t>
+            </a:r>
+          </a:p>
+          <a:p>
+            <a:r>
+              <a:rPr kumimoji="1" lang="ja-JP" altLang="en-US" dirty="0" smtClean="0"/>
+              <a:t>初版</a:t>
+            </a:r>
+            <a:r>
+              <a:rPr kumimoji="1" lang="en-US" altLang="ja-JP" dirty="0" smtClean="0"/>
+              <a:t>	2013</a:t>
+            </a:r>
+            <a:r>
+              <a:rPr kumimoji="1" lang="ja-JP" altLang="en-US" dirty="0" smtClean="0"/>
+              <a:t>年</a:t>
+            </a:r>
+            <a:r>
+              <a:rPr kumimoji="1" lang="en-US" altLang="ja-JP" dirty="0" smtClean="0"/>
+              <a:t>7</a:t>
+            </a:r>
+            <a:r>
+              <a:rPr kumimoji="1" lang="ja-JP" altLang="en-US" dirty="0" smtClean="0"/>
+              <a:t>月</a:t>
+            </a:r>
+            <a:r>
+              <a:rPr kumimoji="1" lang="en-US" altLang="ja-JP" dirty="0" smtClean="0"/>
+              <a:t>19</a:t>
+            </a:r>
+            <a:r>
+              <a:rPr kumimoji="1" lang="ja-JP" altLang="en-US" dirty="0" smtClean="0"/>
+              <a:t>日</a:t>
+            </a:r>
+            <a:r>
+              <a:rPr kumimoji="1" lang="en-US" altLang="ja-JP" dirty="0" smtClean="0"/>
+              <a:t>	</a:t>
+            </a:r>
+            <a:r>
+              <a:rPr kumimoji="1" lang="ja-JP" altLang="en-US" dirty="0" smtClean="0"/>
+              <a:t>板垣 衛</a:t>
+            </a:r>
+            <a:r>
+              <a:rPr kumimoji="1" lang="en-US" altLang="ja-JP" dirty="0" smtClean="0"/>
+              <a:t>	(</a:t>
+            </a:r>
+            <a:r>
+              <a:rPr kumimoji="1" lang="ja-JP" altLang="en-US" dirty="0" smtClean="0"/>
+              <a:t>初版）</a:t>
+            </a:r>
+            <a:endParaRPr kumimoji="1" lang="en-US" altLang="ja-JP" dirty="0" smtClean="0"/>
+          </a:p>
+          <a:p>
             <a:endParaRPr kumimoji="1" lang="en-US" altLang="ja-JP" dirty="0" smtClean="0"/>
           </a:p>
         </p:txBody>
@@ -768,7 +904,7 @@
           <a:p>
             <a:r>
               <a:rPr kumimoji="1" lang="ja-JP" altLang="en-US" dirty="0" smtClean="0"/>
-              <a:t>しかし、インデックスへの更新内容登録時（</a:t>
+              <a:t>しかし、インデックスへの変更内容登録時（</a:t>
             </a:r>
             <a:r>
               <a:rPr kumimoji="1" lang="en-US" altLang="ja-JP" dirty="0" err="1" smtClean="0"/>
@@ -1186,11 +1322,7 @@
           <a:p>
             <a:r>
               <a:rPr kumimoji="1" lang="ja-JP" altLang="en-US" dirty="0" smtClean="0"/>
-              <a:t>バイナリファイルなど、ロック</a:t>
-            </a:r>
-            <a:r>
-              <a:rPr kumimoji="1" lang="ja-JP" altLang="en-US" dirty="0" smtClean="0"/>
-              <a:t>必須のファイルを扱う場合は、やはり</a:t>
+              <a:t>バイナリファイルなど、ロック必須のファイルを扱う場合は、やはり</a:t>
             </a:r>
             <a:r>
               <a:rPr kumimoji="1" lang="en-US" altLang="ja-JP" dirty="0" smtClean="0"/>
@@ -1198,11 +1330,7 @@
             </a:r>
             <a:r>
               <a:rPr kumimoji="1" lang="ja-JP" altLang="en-US" dirty="0" smtClean="0"/>
-              <a:t>の方が扱い易い</a:t>
-            </a:r>
-            <a:r>
-              <a:rPr kumimoji="1" lang="ja-JP" altLang="en-US" dirty="0" smtClean="0"/>
-              <a:t>。</a:t>
+              <a:t>の方が扱い易い。</a:t>
             </a:r>
             <a:endParaRPr kumimoji="1" lang="en-US" altLang="ja-JP" dirty="0" smtClean="0"/>
           </a:p>
@@ -1231,14 +1359,14 @@
           <a:p>
             <a:r>
               <a:rPr kumimoji="1" lang="ja-JP" altLang="en-US" dirty="0" smtClean="0"/>
-              <a:t>①遠隔地の拠点間で共通して更新しなければならないようなファイルは持たない。</a:t>
+              <a:t>①遠隔地の拠点間で共通して変更しなければならないようなファイルは持たない。</a:t>
             </a:r>
             <a:endParaRPr kumimoji="1" lang="en-US" altLang="ja-JP" dirty="0" smtClean="0"/>
           </a:p>
           <a:p>
             <a:r>
               <a:rPr kumimoji="1" lang="ja-JP" altLang="en-US" dirty="0" smtClean="0"/>
-              <a:t>②各拠点毎に、更新可能なファイルを定める。（フォルダで決めるなど、なるべく単純なルールに）</a:t>
+              <a:t>②各拠点毎に、変更可能なファイルを定める。（フォルダで決めるなど、なるべく単純なルールに）</a:t>
             </a:r>
             <a:endParaRPr kumimoji="1" lang="en-US" altLang="ja-JP" dirty="0" smtClean="0"/>
           </a:p>
@@ -1331,7 +1459,7 @@
               <a:t>の習</a:t>
             </a:r>
             <a:r>
-              <a:rPr kumimoji="1" lang="ja-JP" altLang="en-US" smtClean="0"/>
+              <a:rPr kumimoji="1" lang="ja-JP" altLang="en-US" dirty="0" smtClean="0"/>
               <a:t>得スキルを求めるのは容易ではないので、導入の際は簡潔なマニュアルを用意し、問題発生時のサポートができる体制を取るべき。</a:t>
             </a:r>
             <a:endParaRPr kumimoji="1" lang="en-US" altLang="ja-JP" dirty="0" smtClean="0"/>
@@ -2407,7 +2535,7 @@
           <a:p>
             <a:r>
               <a:rPr kumimoji="1" lang="ja-JP" altLang="en-US" dirty="0" smtClean="0"/>
-              <a:t>ファイル追加時に使用される「インデックス」とは、コミット時にリポジトリに記録される、作業ツリーの更新内容を一時記憶する領域の事。</a:t>
+              <a:t>ファイル追加時に使用される「インデックス」とは、コミット時にリポジトリに記録される、作業ツリーの変更内容を一時記憶する領域の事。</a:t>
             </a:r>
             <a:endParaRPr kumimoji="1" lang="en-US" altLang="ja-JP" dirty="0" smtClean="0"/>
           </a:p>
@@ -2431,7 +2559,7 @@
           <a:p>
             <a:r>
               <a:rPr kumimoji="1" lang="ja-JP" altLang="en-US" dirty="0" smtClean="0"/>
-              <a:t>なお、インデックスへのファイルの追加は、新規ファイルに限らず、更新したファイル全般に対して行う必要がある。</a:t>
+              <a:t>なお、インデックスへのファイルの追加は、新規ファイルに限らず、変更したファイル全般に対して行う必要がある。</a:t>
             </a:r>
             <a:endParaRPr kumimoji="1" lang="en-US" altLang="ja-JP" dirty="0" smtClean="0"/>
           </a:p>
@@ -2458,7 +2586,7 @@
             </a:r>
             <a:r>
               <a:rPr kumimoji="1" lang="ja-JP" altLang="en-US" dirty="0" smtClean="0"/>
-              <a:t>コマンドのオプションでは、既存のファイルの更新の場合に限り、</a:t>
+              <a:t>コマンドのオプションでは、既存のファイルの変更の場合に限り、</a:t>
             </a:r>
             <a:endParaRPr kumimoji="1" lang="en-US" altLang="ja-JP" dirty="0" smtClean="0"/>
           </a:p>
@@ -3076,7 +3204,7 @@
             </a:r>
             <a:r>
               <a:rPr lang="ja-JP" altLang="en-US" sz="1600" dirty="0" smtClean="0"/>
-              <a:t>コミットを絶対視するシステムと異なり、一度行ったコミットをなかった事にしたり、追加・修正したファイルのコミットを漏れやコミットメッセージ・更新者の間違いを後から修正したりといった事ができる。</a:t>
+              <a:t>コミットを絶対視するシステムと異なり、一度行ったコミットをなかった事にしたり、追加・修正したファイルのコミットを漏れやコミットメッセージ・作者の間違いを後から修正したりといった事ができる。</a:t>
             </a:r>
             <a:endParaRPr lang="en-US" altLang="ja-JP" sz="1600" dirty="0" smtClean="0"/>
           </a:p>
@@ -3487,7 +3615,7 @@
             </a:r>
             <a:r>
               <a:rPr kumimoji="1" lang="ja-JP" altLang="en-US" dirty="0" smtClean="0"/>
-              <a:t>サーバー上のミラーリポジトリを更新するようなやり方が考えられる。</a:t>
+              <a:t>サーバー上のミラーリポジトリに逐一変更を反映するようなやり方が考えられる。</a:t>
             </a:r>
             <a:endParaRPr kumimoji="1" lang="en-US" altLang="ja-JP" dirty="0" smtClean="0"/>
           </a:p>
@@ -4348,7 +4476,7 @@
           <a:p>
             <a:fld id="{C66F510E-5AB8-4FBE-9312-7856B8EE696A}" type="datetimeFigureOut">
               <a:rPr kumimoji="1" lang="ja-JP" altLang="en-US" smtClean="0"/>
-              <a:t>2013/6/21</a:t>
+              <a:t>2013/7/19</a:t>
             </a:fld>
             <a:endParaRPr kumimoji="1" lang="ja-JP" altLang="en-US"/>
           </a:p>
@@ -5468,7 +5596,7 @@
           <a:p>
             <a:fld id="{C66F510E-5AB8-4FBE-9312-7856B8EE696A}" type="datetimeFigureOut">
               <a:rPr kumimoji="1" lang="ja-JP" altLang="en-US" smtClean="0"/>
-              <a:t>2013/6/21</a:t>
+              <a:t>2013/7/19</a:t>
             </a:fld>
             <a:endParaRPr kumimoji="1" lang="ja-JP" altLang="en-US"/>
           </a:p>
@@ -6479,7 +6607,7 @@
           <a:p>
             <a:fld id="{C66F510E-5AB8-4FBE-9312-7856B8EE696A}" type="datetimeFigureOut">
               <a:rPr kumimoji="1" lang="ja-JP" altLang="en-US" smtClean="0"/>
-              <a:t>2013/6/21</a:t>
+              <a:t>2013/7/19</a:t>
             </a:fld>
             <a:endParaRPr kumimoji="1" lang="ja-JP" altLang="en-US"/>
           </a:p>
@@ -7649,7 +7777,7 @@
           <a:p>
             <a:fld id="{C66F510E-5AB8-4FBE-9312-7856B8EE696A}" type="datetimeFigureOut">
               <a:rPr kumimoji="1" lang="ja-JP" altLang="en-US" smtClean="0"/>
-              <a:t>2013/6/21</a:t>
+              <a:t>2013/7/19</a:t>
             </a:fld>
             <a:endParaRPr kumimoji="1" lang="ja-JP" altLang="en-US"/>
           </a:p>
@@ -8710,7 +8838,7 @@
           <a:p>
             <a:fld id="{C66F510E-5AB8-4FBE-9312-7856B8EE696A}" type="datetimeFigureOut">
               <a:rPr kumimoji="1" lang="ja-JP" altLang="en-US" smtClean="0"/>
-              <a:t>2013/6/21</a:t>
+              <a:t>2013/7/19</a:t>
             </a:fld>
             <a:endParaRPr kumimoji="1" lang="ja-JP" altLang="en-US"/>
           </a:p>
@@ -9356,7 +9484,7 @@
           <a:p>
             <a:fld id="{C66F510E-5AB8-4FBE-9312-7856B8EE696A}" type="datetimeFigureOut">
               <a:rPr kumimoji="1" lang="ja-JP" altLang="en-US" smtClean="0"/>
-              <a:t>2013/6/21</a:t>
+              <a:t>2013/7/19</a:t>
             </a:fld>
             <a:endParaRPr kumimoji="1" lang="ja-JP" altLang="en-US"/>
           </a:p>
@@ -10203,7 +10331,7 @@
           <a:p>
             <a:fld id="{C66F510E-5AB8-4FBE-9312-7856B8EE696A}" type="datetimeFigureOut">
               <a:rPr kumimoji="1" lang="ja-JP" altLang="en-US" smtClean="0"/>
-              <a:t>2013/6/21</a:t>
+              <a:t>2013/7/19</a:t>
             </a:fld>
             <a:endParaRPr kumimoji="1" lang="ja-JP" altLang="en-US"/>
           </a:p>
@@ -10410,7 +10538,7 @@
           <a:p>
             <a:fld id="{C66F510E-5AB8-4FBE-9312-7856B8EE696A}" type="datetimeFigureOut">
               <a:rPr kumimoji="1" lang="ja-JP" altLang="en-US" smtClean="0"/>
-              <a:t>2013/6/21</a:t>
+              <a:t>2013/7/19</a:t>
             </a:fld>
             <a:endParaRPr kumimoji="1" lang="ja-JP" altLang="en-US"/>
           </a:p>
@@ -11440,7 +11568,7 @@
           <a:p>
             <a:fld id="{C66F510E-5AB8-4FBE-9312-7856B8EE696A}" type="datetimeFigureOut">
               <a:rPr kumimoji="1" lang="ja-JP" altLang="en-US" smtClean="0"/>
-              <a:t>2013/6/21</a:t>
+              <a:t>2013/7/19</a:t>
             </a:fld>
             <a:endParaRPr kumimoji="1" lang="ja-JP" altLang="en-US"/>
           </a:p>
@@ -11678,7 +11806,7 @@
           <a:p>
             <a:fld id="{C66F510E-5AB8-4FBE-9312-7856B8EE696A}" type="datetimeFigureOut">
               <a:rPr kumimoji="1" lang="ja-JP" altLang="en-US" smtClean="0"/>
-              <a:t>2013/6/21</a:t>
+              <a:t>2013/7/19</a:t>
             </a:fld>
             <a:endParaRPr kumimoji="1" lang="ja-JP" altLang="en-US"/>
           </a:p>
@@ -12740,7 +12868,7 @@
           <a:p>
             <a:fld id="{C66F510E-5AB8-4FBE-9312-7856B8EE696A}" type="datetimeFigureOut">
               <a:rPr kumimoji="1" lang="ja-JP" altLang="en-US" smtClean="0"/>
-              <a:t>2013/6/21</a:t>
+              <a:t>2013/7/19</a:t>
             </a:fld>
             <a:endParaRPr kumimoji="1" lang="ja-JP" altLang="en-US"/>
           </a:p>
@@ -13076,7 +13204,7 @@
           <a:p>
             <a:fld id="{C66F510E-5AB8-4FBE-9312-7856B8EE696A}" type="datetimeFigureOut">
               <a:rPr kumimoji="1" lang="ja-JP" altLang="en-US" smtClean="0"/>
-              <a:t>2013/6/21</a:t>
+              <a:t>2013/7/19</a:t>
             </a:fld>
             <a:endParaRPr kumimoji="1" lang="ja-JP" altLang="en-US"/>
           </a:p>
@@ -13522,7 +13650,7 @@
           <a:p>
             <a:fld id="{C66F510E-5AB8-4FBE-9312-7856B8EE696A}" type="datetimeFigureOut">
               <a:rPr kumimoji="1" lang="ja-JP" altLang="en-US" smtClean="0"/>
-              <a:t>2013/6/21</a:t>
+              <a:t>2013/7/19</a:t>
             </a:fld>
             <a:endParaRPr kumimoji="1" lang="ja-JP" altLang="en-US"/>
           </a:p>
@@ -13640,7 +13768,7 @@
           <a:p>
             <a:fld id="{C66F510E-5AB8-4FBE-9312-7856B8EE696A}" type="datetimeFigureOut">
               <a:rPr kumimoji="1" lang="ja-JP" altLang="en-US" smtClean="0"/>
-              <a:t>2013/6/21</a:t>
+              <a:t>2013/7/19</a:t>
             </a:fld>
             <a:endParaRPr kumimoji="1" lang="ja-JP" altLang="en-US"/>
           </a:p>
@@ -13735,7 +13863,7 @@
           <a:p>
             <a:fld id="{C66F510E-5AB8-4FBE-9312-7856B8EE696A}" type="datetimeFigureOut">
               <a:rPr kumimoji="1" lang="ja-JP" altLang="en-US" smtClean="0"/>
-              <a:t>2013/6/21</a:t>
+              <a:t>2013/7/19</a:t>
             </a:fld>
             <a:endParaRPr kumimoji="1" lang="ja-JP" altLang="en-US"/>
           </a:p>
@@ -14876,7 +15004,7 @@
           <a:p>
             <a:fld id="{C66F510E-5AB8-4FBE-9312-7856B8EE696A}" type="datetimeFigureOut">
               <a:rPr kumimoji="1" lang="ja-JP" altLang="en-US" smtClean="0"/>
-              <a:t>2013/6/21</a:t>
+              <a:t>2013/7/19</a:t>
             </a:fld>
             <a:endParaRPr kumimoji="1" lang="ja-JP" altLang="en-US"/>
           </a:p>
@@ -16009,7 +16137,7 @@
           <a:p>
             <a:fld id="{C66F510E-5AB8-4FBE-9312-7856B8EE696A}" type="datetimeFigureOut">
               <a:rPr kumimoji="1" lang="ja-JP" altLang="en-US" smtClean="0"/>
-              <a:t>2013/6/21</a:t>
+              <a:t>2013/7/19</a:t>
             </a:fld>
             <a:endParaRPr kumimoji="1" lang="ja-JP" altLang="en-US"/>
           </a:p>
@@ -17069,7 +17197,7 @@
           <a:p>
             <a:fld id="{C66F510E-5AB8-4FBE-9312-7856B8EE696A}" type="datetimeFigureOut">
               <a:rPr kumimoji="1" lang="ja-JP" altLang="en-US" smtClean="0"/>
-              <a:t>2013/6/21</a:t>
+              <a:t>2013/7/19</a:t>
             </a:fld>
             <a:endParaRPr kumimoji="1" lang="ja-JP" altLang="en-US"/>
           </a:p>
@@ -17712,7 +17840,27 @@
             <a:pPr algn="r"/>
             <a:r>
               <a:rPr kumimoji="1" lang="en-US" altLang="ja-JP" b="1" dirty="0" smtClean="0"/>
-              <a:t>2013/6/20</a:t>
+              <a:t>2013</a:t>
+            </a:r>
+            <a:r>
+              <a:rPr kumimoji="1" lang="ja-JP" altLang="en-US" b="1" dirty="0" smtClean="0"/>
+              <a:t>年</a:t>
+            </a:r>
+            <a:r>
+              <a:rPr kumimoji="1" lang="en-US" altLang="ja-JP" b="1" dirty="0" smtClean="0"/>
+              <a:t>7</a:t>
+            </a:r>
+            <a:r>
+              <a:rPr kumimoji="1" lang="ja-JP" altLang="en-US" b="1" dirty="0" smtClean="0"/>
+              <a:t>月</a:t>
+            </a:r>
+            <a:r>
+              <a:rPr kumimoji="1" lang="en-US" altLang="ja-JP" b="1" dirty="0" smtClean="0"/>
+              <a:t>19</a:t>
+            </a:r>
+            <a:r>
+              <a:rPr kumimoji="1" lang="ja-JP" altLang="en-US" b="1" dirty="0" smtClean="0"/>
+              <a:t>日　初版</a:t>
             </a:r>
             <a:endParaRPr kumimoji="1" lang="ja-JP" altLang="en-US" b="1" dirty="0"/>
           </a:p>
@@ -18083,7 +18231,7 @@
             </a:r>
             <a:r>
               <a:rPr kumimoji="1" lang="ja-JP" altLang="en-US" dirty="0" smtClean="0"/>
-              <a:t>などのバイナリファイルを複数の開発者が更新しな</a:t>
+              <a:t>などのバイナリファイルを複数の開発者が変更しな</a:t>
             </a:r>
             <a:r>
               <a:rPr lang="ja-JP" altLang="en-US" dirty="0" smtClean="0"/>
@@ -21355,7 +21503,7 @@
                   <a:srgbClr val="0070C0"/>
                 </a:solidFill>
               </a:rPr>
-              <a:t>コミット（更新したファイルの登録）</a:t>
+              <a:t>コミット（変更したファイルの登録）</a:t>
             </a:r>
             <a:endParaRPr kumimoji="1" lang="ja-JP" altLang="en-US" sz="1400" b="1" dirty="0">
               <a:solidFill>
@@ -21413,8 +21561,8 @@
         </p:nvSpPr>
         <p:spPr>
           <a:xfrm>
-            <a:off x="5526045" y="4162380"/>
-            <a:ext cx="3825491" cy="307777"/>
+            <a:off x="5213423" y="4162380"/>
+            <a:ext cx="4138114" cy="307777"/>
           </a:xfrm>
           <a:prstGeom prst="rect">
             <a:avLst/>
@@ -21442,7 +21590,7 @@
                   <a:srgbClr val="0070C0"/>
                 </a:solidFill>
               </a:rPr>
-              <a:t>アップデート（他者の更新の取り込み）</a:t>
+              <a:t>アップデート（他者のコミットの取り込み）</a:t>
             </a:r>
             <a:endParaRPr kumimoji="1" lang="ja-JP" altLang="en-US" sz="1400" b="1" dirty="0">
               <a:solidFill>
@@ -22400,7 +22548,7 @@
                   </a:outerShdw>
                 </a:effectLst>
               </a:rPr>
-              <a:t>安易なコミットが許されず、時として何日間も更新をローカルに溜め込んでしまう。</a:t>
+              <a:t>安易なコミットが許されず、時として何日間も変更をローカルに溜め込んでしまう。</a:t>
             </a:r>
             <a:endParaRPr kumimoji="1" lang="ja-JP" altLang="en-US" sz="1400" dirty="0">
               <a:ln w="0"/>
@@ -23295,7 +23443,7 @@
                   <a:srgbClr val="0070C0"/>
                 </a:solidFill>
               </a:rPr>
-              <a:t>（更新したファイル／ブランチの登録）</a:t>
+              <a:t>（ローカルのコミットを提出）</a:t>
             </a:r>
             <a:endParaRPr kumimoji="1" lang="ja-JP" altLang="en-US" sz="1400" b="1" dirty="0">
               <a:solidFill>
@@ -23398,7 +23546,7 @@
                   <a:srgbClr val="0070C0"/>
                 </a:solidFill>
               </a:rPr>
-              <a:t>（他者の更新の取り込み）</a:t>
+              <a:t>（他者のコミットの取り込み）</a:t>
             </a:r>
             <a:endParaRPr kumimoji="1" lang="ja-JP" altLang="en-US" sz="1400" b="1" dirty="0">
               <a:solidFill>
